--- a/project-2-overview-flowchart.pptx
+++ b/project-2-overview-flowchart.pptx
@@ -4061,8 +4061,8 @@
         </p:nvCxnSpPr>
         <p:spPr>
           <a:xfrm rot="5400000">
-            <a:off x="7855383" y="2795252"/>
-            <a:ext cx="577620" cy="1213642"/>
+            <a:off x="7426523" y="3401914"/>
+            <a:ext cx="577620" cy="319"/>
           </a:xfrm>
           <a:prstGeom prst="bentConnector3">
             <a:avLst>
@@ -4105,8 +4105,8 @@
         </p:nvSpPr>
         <p:spPr>
           <a:xfrm>
-            <a:off x="3338394" y="923722"/>
-            <a:ext cx="1776979" cy="369333"/>
+            <a:off x="3311957" y="923722"/>
+            <a:ext cx="1505328" cy="369333"/>
           </a:xfrm>
           <a:prstGeom prst="rect">
             <a:avLst/>
@@ -4143,14 +4143,7 @@
             <a:pPr algn="ctr"/>
             <a:r>
               <a:rPr lang="en-US" sz="1100" b="1" dirty="0"/>
-              <a:t> NJ County Crime Data</a:t>
-            </a:r>
-          </a:p>
-          <a:p>
-            <a:pPr algn="ctr"/>
-            <a:r>
-              <a:rPr lang="en-US" sz="1100" b="1" dirty="0"/>
-              <a:t>(xlsx)</a:t>
+              <a:t>    NJ County Crime Data (xlsx)</a:t>
             </a:r>
           </a:p>
         </p:txBody>
@@ -4169,8 +4162,8 @@
         </p:nvSpPr>
         <p:spPr>
           <a:xfrm>
-            <a:off x="10109723" y="923712"/>
-            <a:ext cx="1776979" cy="369333"/>
+            <a:off x="10434562" y="923712"/>
+            <a:ext cx="1505328" cy="369333"/>
           </a:xfrm>
           <a:prstGeom prst="rect">
             <a:avLst/>
@@ -4207,7 +4200,7 @@
             <a:pPr algn="ctr"/>
             <a:r>
               <a:rPr lang="en-US" sz="1100" b="1" dirty="0"/>
-              <a:t>NJ Counties Map</a:t>
+              <a:t>     NJ Counties Map</a:t>
             </a:r>
           </a:p>
           <a:p>
@@ -4233,8 +4226,8 @@
         </p:nvSpPr>
         <p:spPr>
           <a:xfrm>
-            <a:off x="5569329" y="923722"/>
-            <a:ext cx="1776979" cy="369333"/>
+            <a:off x="5134062" y="923722"/>
+            <a:ext cx="1505328" cy="369333"/>
           </a:xfrm>
           <a:prstGeom prst="rect">
             <a:avLst/>
@@ -4271,7 +4264,7 @@
             <a:pPr algn="ctr"/>
             <a:r>
               <a:rPr lang="en-US" sz="1100" b="1" dirty="0"/>
-              <a:t>NJ School Ratings</a:t>
+              <a:t>   NJ School Ratings</a:t>
             </a:r>
           </a:p>
           <a:p>
@@ -4332,7 +4325,7 @@
         </p:nvSpPr>
         <p:spPr>
           <a:xfrm>
-            <a:off x="6308346" y="3690883"/>
+            <a:off x="6486147" y="3690883"/>
             <a:ext cx="2458051" cy="442737"/>
           </a:xfrm>
           <a:prstGeom prst="diamond">
@@ -4424,8 +4417,8 @@
         </p:nvSpPr>
         <p:spPr>
           <a:xfrm>
-            <a:off x="3340835" y="2061913"/>
-            <a:ext cx="1772095" cy="386464"/>
+            <a:off x="3314397" y="2061913"/>
+            <a:ext cx="1501191" cy="386464"/>
           </a:xfrm>
           <a:prstGeom prst="rect">
             <a:avLst/>
@@ -4655,7 +4648,7 @@
         </p:nvSpPr>
         <p:spPr>
           <a:xfrm>
-            <a:off x="6654450" y="4416542"/>
+            <a:off x="6832250" y="4416542"/>
             <a:ext cx="1769333" cy="368923"/>
           </a:xfrm>
           <a:prstGeom prst="rect">
@@ -4715,9 +4708,9 @@
           <p:nvPr/>
         </p:nvCxnSpPr>
         <p:spPr>
-          <a:xfrm flipH="1">
-            <a:off x="4226883" y="1293055"/>
-            <a:ext cx="1" cy="768858"/>
+          <a:xfrm>
+            <a:off x="4064621" y="1293055"/>
+            <a:ext cx="372" cy="768858"/>
           </a:xfrm>
           <a:prstGeom prst="straightConnector1">
             <a:avLst/>
@@ -4762,7 +4755,7 @@
         </p:nvCxnSpPr>
         <p:spPr>
           <a:xfrm>
-            <a:off x="4226883" y="2448377"/>
+            <a:off x="4064993" y="2448377"/>
             <a:ext cx="0" cy="278295"/>
           </a:xfrm>
           <a:prstGeom prst="straightConnector1">
@@ -4807,9 +4800,9 @@
           <p:nvPr/>
         </p:nvCxnSpPr>
         <p:spPr>
-          <a:xfrm flipH="1">
-            <a:off x="10998212" y="1293045"/>
-            <a:ext cx="1" cy="748956"/>
+          <a:xfrm>
+            <a:off x="11187226" y="1293045"/>
+            <a:ext cx="372" cy="748956"/>
           </a:xfrm>
           <a:prstGeom prst="straightConnector1">
             <a:avLst/>
@@ -4854,7 +4847,7 @@
         </p:nvCxnSpPr>
         <p:spPr>
           <a:xfrm>
-            <a:off x="10998212" y="2428465"/>
+            <a:off x="11187598" y="2428465"/>
             <a:ext cx="8655" cy="278295"/>
           </a:xfrm>
           <a:prstGeom prst="straightConnector1">
@@ -4900,8 +4893,8 @@
         </p:nvCxnSpPr>
         <p:spPr>
           <a:xfrm flipH="1">
-            <a:off x="6455377" y="1293055"/>
-            <a:ext cx="2442" cy="750421"/>
+            <a:off x="5884657" y="1293055"/>
+            <a:ext cx="2069" cy="750421"/>
           </a:xfrm>
           <a:prstGeom prst="straightConnector1">
             <a:avLst/>
@@ -4946,7 +4939,7 @@
         </p:nvCxnSpPr>
         <p:spPr>
           <a:xfrm flipH="1">
-            <a:off x="6451963" y="2429940"/>
+            <a:off x="5881243" y="2429940"/>
             <a:ext cx="3414" cy="269053"/>
           </a:xfrm>
           <a:prstGeom prst="straightConnector1">
@@ -4992,8 +4985,8 @@
         </p:nvCxnSpPr>
         <p:spPr>
           <a:xfrm>
-            <a:off x="7537372" y="4133620"/>
-            <a:ext cx="1745" cy="282922"/>
+            <a:off x="7715173" y="4133620"/>
+            <a:ext cx="1744" cy="282922"/>
           </a:xfrm>
           <a:prstGeom prst="straightConnector1">
             <a:avLst/>
@@ -5146,7 +5139,7 @@
         </p:nvSpPr>
         <p:spPr>
           <a:xfrm>
-            <a:off x="6316017" y="5786247"/>
+            <a:off x="6493818" y="5786247"/>
             <a:ext cx="2458051" cy="442737"/>
           </a:xfrm>
           <a:prstGeom prst="rect">
@@ -5560,8 +5553,8 @@
         </p:nvSpPr>
         <p:spPr>
           <a:xfrm>
-            <a:off x="7862525" y="929643"/>
-            <a:ext cx="1776979" cy="369333"/>
+            <a:off x="6962456" y="929643"/>
+            <a:ext cx="1505328" cy="369333"/>
           </a:xfrm>
           <a:prstGeom prst="rect">
             <a:avLst/>
@@ -5598,7 +5591,7 @@
             <a:pPr algn="ctr"/>
             <a:r>
               <a:rPr lang="en-US" sz="1100" b="1" dirty="0"/>
-              <a:t>NJ Poverty Index</a:t>
+              <a:t>  NJ Poverty Index</a:t>
             </a:r>
           </a:p>
           <a:p>
@@ -5668,7 +5661,7 @@
         </p:nvCxnSpPr>
         <p:spPr>
           <a:xfrm>
-            <a:off x="8748265" y="2448248"/>
+            <a:off x="7712743" y="2448248"/>
             <a:ext cx="2749" cy="278551"/>
           </a:xfrm>
           <a:prstGeom prst="straightConnector1">
@@ -5710,7 +5703,7 @@
         </p:nvSpPr>
         <p:spPr>
           <a:xfrm>
-            <a:off x="4199738" y="1565533"/>
+            <a:off x="4063229" y="1565533"/>
             <a:ext cx="915635" cy="400110"/>
           </a:xfrm>
           <a:prstGeom prst="rect">
@@ -5751,7 +5744,7 @@
         </p:nvSpPr>
         <p:spPr>
           <a:xfrm>
-            <a:off x="10989245" y="3912449"/>
+            <a:off x="11196588" y="3912449"/>
             <a:ext cx="538930" cy="246221"/>
           </a:xfrm>
           <a:prstGeom prst="rect">
@@ -5786,7 +5779,7 @@
         </p:nvSpPr>
         <p:spPr>
           <a:xfrm>
-            <a:off x="6422375" y="1618507"/>
+            <a:off x="5877036" y="1618507"/>
             <a:ext cx="915635" cy="246221"/>
           </a:xfrm>
           <a:prstGeom prst="rect">
@@ -5821,7 +5814,7 @@
         </p:nvSpPr>
         <p:spPr>
           <a:xfrm>
-            <a:off x="8743335" y="1638676"/>
+            <a:off x="7707793" y="1638676"/>
             <a:ext cx="856325" cy="246221"/>
           </a:xfrm>
           <a:prstGeom prst="rect">
@@ -5856,8 +5849,8 @@
         </p:nvSpPr>
         <p:spPr>
           <a:xfrm>
-            <a:off x="10112164" y="2042001"/>
-            <a:ext cx="1772095" cy="386464"/>
+            <a:off x="10437002" y="2042001"/>
+            <a:ext cx="1501191" cy="386464"/>
           </a:xfrm>
           <a:prstGeom prst="rect">
             <a:avLst/>
@@ -5910,8 +5903,8 @@
         </p:nvSpPr>
         <p:spPr>
           <a:xfrm>
-            <a:off x="5569329" y="2043476"/>
-            <a:ext cx="1772095" cy="386464"/>
+            <a:off x="5134061" y="2043476"/>
+            <a:ext cx="1501191" cy="386464"/>
           </a:xfrm>
           <a:prstGeom prst="rect">
             <a:avLst/>
@@ -5964,8 +5957,8 @@
         </p:nvSpPr>
         <p:spPr>
           <a:xfrm>
-            <a:off x="7862217" y="2061784"/>
-            <a:ext cx="1772095" cy="386464"/>
+            <a:off x="6962147" y="2061784"/>
+            <a:ext cx="1501191" cy="386464"/>
           </a:xfrm>
           <a:prstGeom prst="rect">
             <a:avLst/>
@@ -6022,8 +6015,8 @@
         </p:nvCxnSpPr>
         <p:spPr>
           <a:xfrm flipH="1">
-            <a:off x="8748265" y="1298976"/>
-            <a:ext cx="2750" cy="762808"/>
+            <a:off x="7712743" y="1298976"/>
+            <a:ext cx="2377" cy="762808"/>
           </a:xfrm>
           <a:prstGeom prst="straightConnector1">
             <a:avLst/>
@@ -6064,8 +6057,8 @@
         </p:nvSpPr>
         <p:spPr>
           <a:xfrm>
-            <a:off x="3340835" y="2726672"/>
-            <a:ext cx="1772095" cy="386464"/>
+            <a:off x="3314397" y="2726672"/>
+            <a:ext cx="1501191" cy="386464"/>
           </a:xfrm>
           <a:prstGeom prst="rect">
             <a:avLst/>
@@ -6118,8 +6111,8 @@
         </p:nvSpPr>
         <p:spPr>
           <a:xfrm>
-            <a:off x="10120819" y="2706760"/>
-            <a:ext cx="1772095" cy="386464"/>
+            <a:off x="10445657" y="2706760"/>
+            <a:ext cx="1501191" cy="386464"/>
           </a:xfrm>
           <a:prstGeom prst="rect">
             <a:avLst/>
@@ -6172,8 +6165,8 @@
         </p:nvSpPr>
         <p:spPr>
           <a:xfrm>
-            <a:off x="5565915" y="2698993"/>
-            <a:ext cx="1772095" cy="386464"/>
+            <a:off x="5130647" y="2698993"/>
+            <a:ext cx="1501191" cy="386464"/>
           </a:xfrm>
           <a:prstGeom prst="rect">
             <a:avLst/>
@@ -6226,8 +6219,8 @@
         </p:nvSpPr>
         <p:spPr>
           <a:xfrm>
-            <a:off x="7864966" y="2726799"/>
-            <a:ext cx="1772095" cy="386464"/>
+            <a:off x="6964896" y="2726799"/>
+            <a:ext cx="1501191" cy="386464"/>
           </a:xfrm>
           <a:prstGeom prst="rect">
             <a:avLst/>
@@ -6277,20 +6270,16 @@
           </p:cNvPr>
           <p:cNvCxnSpPr>
             <a:cxnSpLocks/>
-            <a:stCxn id="96" idx="2"/>
-            <a:endCxn id="9" idx="0"/>
           </p:cNvCxnSpPr>
           <p:nvPr/>
         </p:nvCxnSpPr>
         <p:spPr>
           <a:xfrm rot="16200000" flipH="1">
-            <a:off x="6691954" y="2845465"/>
-            <a:ext cx="605426" cy="1085409"/>
-          </a:xfrm>
-          <a:prstGeom prst="bentConnector3">
-            <a:avLst>
-              <a:gd name="adj1" fmla="val 50000"/>
-            </a:avLst>
+            <a:off x="5778765" y="3187936"/>
+            <a:ext cx="826794" cy="621838"/>
+          </a:xfrm>
+          <a:prstGeom prst="bentConnector2">
+            <a:avLst/>
           </a:prstGeom>
           <a:ln>
             <a:solidFill>
@@ -6328,7 +6317,7 @@
         </p:nvSpPr>
         <p:spPr>
           <a:xfrm>
-            <a:off x="6693090" y="3411113"/>
+            <a:off x="7676259" y="3401203"/>
             <a:ext cx="521297" cy="246221"/>
           </a:xfrm>
           <a:prstGeom prst="rect">
@@ -6363,7 +6352,7 @@
         </p:nvSpPr>
         <p:spPr>
           <a:xfrm>
-            <a:off x="4540791" y="3410880"/>
+            <a:off x="4695729" y="3925627"/>
             <a:ext cx="521297" cy="246221"/>
           </a:xfrm>
           <a:prstGeom prst="rect">
@@ -6398,7 +6387,7 @@
         </p:nvSpPr>
         <p:spPr>
           <a:xfrm>
-            <a:off x="7880611" y="3422242"/>
+            <a:off x="5844259" y="3448544"/>
             <a:ext cx="521297" cy="246221"/>
           </a:xfrm>
           <a:prstGeom prst="rect">
@@ -6433,7 +6422,7 @@
         </p:nvSpPr>
         <p:spPr>
           <a:xfrm>
-            <a:off x="3410508" y="5050004"/>
+            <a:off x="3596782" y="5050004"/>
             <a:ext cx="1225126" cy="291190"/>
           </a:xfrm>
           <a:prstGeom prst="rect">
@@ -6547,7 +6536,7 @@
         </p:nvSpPr>
         <p:spPr>
           <a:xfrm>
-            <a:off x="4805552" y="5059255"/>
+            <a:off x="4991826" y="5059255"/>
             <a:ext cx="1225126" cy="291190"/>
           </a:xfrm>
           <a:prstGeom prst="rect">
@@ -6604,7 +6593,7 @@
         </p:nvSpPr>
         <p:spPr>
           <a:xfrm>
-            <a:off x="6200603" y="5053223"/>
+            <a:off x="6386877" y="5053223"/>
             <a:ext cx="1225126" cy="291190"/>
           </a:xfrm>
           <a:prstGeom prst="rect">
@@ -6661,7 +6650,7 @@
         </p:nvSpPr>
         <p:spPr>
           <a:xfrm>
-            <a:off x="7617160" y="5050004"/>
+            <a:off x="7803434" y="5050004"/>
             <a:ext cx="1225126" cy="291190"/>
           </a:xfrm>
           <a:prstGeom prst="rect">
@@ -6718,7 +6707,7 @@
         </p:nvSpPr>
         <p:spPr>
           <a:xfrm>
-            <a:off x="10396884" y="5051197"/>
+            <a:off x="10566196" y="5050788"/>
             <a:ext cx="1225126" cy="291190"/>
           </a:xfrm>
           <a:prstGeom prst="rect">
@@ -6775,7 +6764,7 @@
         </p:nvSpPr>
         <p:spPr>
           <a:xfrm>
-            <a:off x="8999607" y="5050638"/>
+            <a:off x="9185881" y="5050638"/>
             <a:ext cx="1225126" cy="291190"/>
           </a:xfrm>
           <a:prstGeom prst="rect">
@@ -6836,8 +6825,8 @@
         </p:nvCxnSpPr>
         <p:spPr>
           <a:xfrm rot="10800000" flipV="1">
-            <a:off x="4023072" y="4601004"/>
-            <a:ext cx="2631379" cy="449000"/>
+            <a:off x="4209346" y="4601004"/>
+            <a:ext cx="2622905" cy="449000"/>
           </a:xfrm>
           <a:prstGeom prst="bentConnector2">
             <a:avLst/>
@@ -6882,8 +6871,8 @@
         </p:nvCxnSpPr>
         <p:spPr>
           <a:xfrm rot="10800000" flipV="1">
-            <a:off x="5418116" y="4601003"/>
-            <a:ext cx="1236335" cy="458251"/>
+            <a:off x="5604390" y="4601003"/>
+            <a:ext cx="1227861" cy="458251"/>
           </a:xfrm>
           <a:prstGeom prst="bentConnector2">
             <a:avLst/>
@@ -6928,8 +6917,8 @@
         </p:nvCxnSpPr>
         <p:spPr>
           <a:xfrm rot="5400000">
-            <a:off x="7042263" y="4556369"/>
-            <a:ext cx="267758" cy="725951"/>
+            <a:off x="7224300" y="4560606"/>
+            <a:ext cx="267758" cy="717477"/>
           </a:xfrm>
           <a:prstGeom prst="bentConnector3">
             <a:avLst>
@@ -6976,8 +6965,8 @@
         </p:nvCxnSpPr>
         <p:spPr>
           <a:xfrm rot="16200000" flipH="1">
-            <a:off x="7752151" y="4572431"/>
-            <a:ext cx="264539" cy="690606"/>
+            <a:off x="7934188" y="4568194"/>
+            <a:ext cx="264539" cy="699080"/>
           </a:xfrm>
           <a:prstGeom prst="bentConnector3">
             <a:avLst>
@@ -7024,8 +7013,8 @@
         </p:nvCxnSpPr>
         <p:spPr>
           <a:xfrm>
-            <a:off x="8423783" y="4601004"/>
-            <a:ext cx="1188387" cy="449634"/>
+            <a:off x="8601583" y="4601004"/>
+            <a:ext cx="1196861" cy="449634"/>
           </a:xfrm>
           <a:prstGeom prst="bentConnector2">
             <a:avLst/>
@@ -7111,8 +7100,8 @@
         </p:nvCxnSpPr>
         <p:spPr>
           <a:xfrm rot="16200000" flipH="1">
-            <a:off x="4836333" y="4527932"/>
-            <a:ext cx="666422" cy="2292946"/>
+            <a:off x="5018370" y="4532168"/>
+            <a:ext cx="666422" cy="2284473"/>
           </a:xfrm>
           <a:prstGeom prst="bentConnector2">
             <a:avLst/>
@@ -7157,8 +7146,8 @@
         </p:nvCxnSpPr>
         <p:spPr>
           <a:xfrm rot="16200000" flipH="1">
-            <a:off x="5538481" y="5230079"/>
-            <a:ext cx="657171" cy="897902"/>
+            <a:off x="5720518" y="5234315"/>
+            <a:ext cx="657171" cy="889429"/>
           </a:xfrm>
           <a:prstGeom prst="bentConnector2">
             <a:avLst/>
@@ -7203,8 +7192,8 @@
         </p:nvCxnSpPr>
         <p:spPr>
           <a:xfrm rot="16200000" flipH="1">
-            <a:off x="6958187" y="5199391"/>
-            <a:ext cx="441834" cy="731877"/>
+            <a:off x="7140225" y="5203628"/>
+            <a:ext cx="441834" cy="723404"/>
           </a:xfrm>
           <a:prstGeom prst="bentConnector3">
             <a:avLst>
@@ -7251,8 +7240,8 @@
         </p:nvCxnSpPr>
         <p:spPr>
           <a:xfrm rot="5400000">
-            <a:off x="7664857" y="5221380"/>
-            <a:ext cx="445053" cy="684680"/>
+            <a:off x="7846895" y="5217144"/>
+            <a:ext cx="445053" cy="693153"/>
           </a:xfrm>
           <a:prstGeom prst="bentConnector3">
             <a:avLst>
@@ -7299,8 +7288,8 @@
         </p:nvCxnSpPr>
         <p:spPr>
           <a:xfrm rot="5400000">
-            <a:off x="9559144" y="4557312"/>
-            <a:ext cx="665229" cy="2235379"/>
+            <a:off x="9732495" y="4561352"/>
+            <a:ext cx="665638" cy="2226890"/>
           </a:xfrm>
           <a:prstGeom prst="bentConnector2">
             <a:avLst/>
@@ -7345,8 +7334,8 @@
         </p:nvCxnSpPr>
         <p:spPr>
           <a:xfrm rot="5400000">
-            <a:off x="8860225" y="5255671"/>
-            <a:ext cx="665788" cy="838102"/>
+            <a:off x="9042263" y="5251435"/>
+            <a:ext cx="665788" cy="846575"/>
           </a:xfrm>
           <a:prstGeom prst="bentConnector2">
             <a:avLst/>
@@ -7390,9 +7379,9 @@
           <p:nvPr/>
         </p:nvCxnSpPr>
         <p:spPr>
-          <a:xfrm>
-            <a:off x="11006867" y="3093224"/>
-            <a:ext cx="2580" cy="1957973"/>
+          <a:xfrm flipH="1">
+            <a:off x="11178759" y="3093224"/>
+            <a:ext cx="17494" cy="1957564"/>
           </a:xfrm>
           <a:prstGeom prst="straightConnector1">
             <a:avLst/>
@@ -7433,8 +7422,8 @@
         </p:nvSpPr>
         <p:spPr>
           <a:xfrm>
-            <a:off x="10989245" y="1652697"/>
-            <a:ext cx="1048685" cy="246221"/>
+            <a:off x="11178759" y="1567701"/>
+            <a:ext cx="646331" cy="400110"/>
           </a:xfrm>
           <a:prstGeom prst="rect">
             <a:avLst/>
@@ -7449,7 +7438,13 @@
           <a:p>
             <a:r>
               <a:rPr lang="en-US" sz="1000" dirty="0"/>
-              <a:t>geoJSON API call</a:t>
+              <a:t>geoJSON</a:t>
+            </a:r>
+          </a:p>
+          <a:p>
+            <a:r>
+              <a:rPr lang="en-US" sz="1000" dirty="0"/>
+              <a:t>API call</a:t>
             </a:r>
           </a:p>
         </p:txBody>
@@ -7468,7 +7463,7 @@
         </p:nvGrpSpPr>
         <p:grpSpPr>
           <a:xfrm>
-            <a:off x="5360531" y="891732"/>
+            <a:off x="4925263" y="891732"/>
             <a:ext cx="455955" cy="428635"/>
             <a:chOff x="3077448" y="891732"/>
             <a:chExt cx="455955" cy="428635"/>
@@ -7590,7 +7585,7 @@
         </p:nvGrpSpPr>
         <p:grpSpPr>
           <a:xfrm>
-            <a:off x="3118398" y="899135"/>
+            <a:off x="3091960" y="899135"/>
             <a:ext cx="455955" cy="428635"/>
             <a:chOff x="2617034" y="846473"/>
             <a:chExt cx="455955" cy="428635"/>
@@ -7712,7 +7707,7 @@
         </p:nvGrpSpPr>
         <p:grpSpPr>
           <a:xfrm>
-            <a:off x="7625200" y="905968"/>
+            <a:off x="6725130" y="905968"/>
             <a:ext cx="455955" cy="428635"/>
             <a:chOff x="7607728" y="905968"/>
             <a:chExt cx="455955" cy="428635"/>
@@ -7834,7 +7829,7 @@
         </p:nvGrpSpPr>
         <p:grpSpPr>
           <a:xfrm>
-            <a:off x="9961641" y="905968"/>
+            <a:off x="10286479" y="905968"/>
             <a:ext cx="455955" cy="428635"/>
             <a:chOff x="9944169" y="905968"/>
             <a:chExt cx="455955" cy="428635"/>
@@ -7956,7 +7951,7 @@
         </p:nvGrpSpPr>
         <p:grpSpPr>
           <a:xfrm>
-            <a:off x="6554593" y="3689630"/>
+            <a:off x="6732394" y="3689630"/>
             <a:ext cx="455955" cy="428635"/>
             <a:chOff x="7972846" y="3689630"/>
             <a:chExt cx="455955" cy="428635"/>
@@ -8078,7 +8073,7 @@
         </p:nvGrpSpPr>
         <p:grpSpPr>
           <a:xfrm>
-            <a:off x="6443073" y="5717176"/>
+            <a:off x="6553144" y="5717176"/>
             <a:ext cx="676780" cy="628533"/>
             <a:chOff x="6443073" y="5717176"/>
             <a:chExt cx="676780" cy="628533"/>
@@ -8186,33 +8181,99 @@
           </p:spPr>
         </p:pic>
       </p:grpSp>
-      <p:cxnSp>
-        <p:nvCxnSpPr>
-          <p:cNvPr id="227" name="Connector: Elbow 226">
-            <a:extLst>
-              <a:ext uri="{FF2B5EF4-FFF2-40B4-BE49-F238E27FC236}">
-                <a16:creationId xmlns:a16="http://schemas.microsoft.com/office/drawing/2014/main" id="{9382DB39-171B-46EB-8621-4DAFFB6CE3B0}"/>
-              </a:ext>
-            </a:extLst>
-          </p:cNvPr>
-          <p:cNvCxnSpPr>
-            <a:cxnSpLocks/>
-            <a:stCxn id="88" idx="2"/>
-          </p:cNvCxnSpPr>
+      <p:sp>
+        <p:nvSpPr>
+          <p:cNvPr id="255" name="Rectangle 254">
+            <a:extLst>
+              <a:ext uri="{FF2B5EF4-FFF2-40B4-BE49-F238E27FC236}">
+                <a16:creationId xmlns:a16="http://schemas.microsoft.com/office/drawing/2014/main" id="{72A59347-3EF9-46D4-B43A-03ED10BC540F}"/>
+              </a:ext>
+            </a:extLst>
+          </p:cNvPr>
+          <p:cNvSpPr/>
           <p:nvPr/>
-        </p:nvCxnSpPr>
-        <p:spPr>
-          <a:xfrm rot="16200000" flipH="1">
-            <a:off x="5206085" y="2133933"/>
-            <a:ext cx="274348" cy="2232753"/>
-          </a:xfrm>
-          <a:prstGeom prst="bentConnector2">
+        </p:nvSpPr>
+        <p:spPr>
+          <a:xfrm>
+            <a:off x="8695270" y="925662"/>
+            <a:ext cx="1505328" cy="369333"/>
+          </a:xfrm>
+          <a:prstGeom prst="rect">
             <a:avLst/>
           </a:prstGeom>
+          <a:solidFill>
+            <a:schemeClr val="accent6"/>
+          </a:solidFill>
           <a:ln>
             <a:solidFill>
               <a:schemeClr val="tx1"/>
             </a:solidFill>
+          </a:ln>
+        </p:spPr>
+        <p:style>
+          <a:lnRef idx="2">
+            <a:schemeClr val="accent1">
+              <a:shade val="50000"/>
+            </a:schemeClr>
+          </a:lnRef>
+          <a:fillRef idx="1">
+            <a:schemeClr val="accent1"/>
+          </a:fillRef>
+          <a:effectRef idx="0">
+            <a:schemeClr val="accent1"/>
+          </a:effectRef>
+          <a:fontRef idx="minor">
+            <a:schemeClr val="lt1"/>
+          </a:fontRef>
+        </p:style>
+        <p:txBody>
+          <a:bodyPr rtlCol="0" anchor="ctr"/>
+          <a:lstStyle/>
+          <a:p>
+            <a:pPr algn="ctr"/>
+            <a:r>
+              <a:rPr lang="en-US" sz="1100" b="1" dirty="0"/>
+              <a:t>  NJ Tax Data</a:t>
+            </a:r>
+          </a:p>
+          <a:p>
+            <a:pPr algn="ctr"/>
+            <a:r>
+              <a:rPr lang="en-US" sz="1100" b="1" dirty="0"/>
+              <a:t>(web)</a:t>
+            </a:r>
+          </a:p>
+        </p:txBody>
+      </p:sp>
+      <p:cxnSp>
+        <p:nvCxnSpPr>
+          <p:cNvPr id="256" name="Straight Arrow Connector 255">
+            <a:extLst>
+              <a:ext uri="{FF2B5EF4-FFF2-40B4-BE49-F238E27FC236}">
+                <a16:creationId xmlns:a16="http://schemas.microsoft.com/office/drawing/2014/main" id="{076A018F-38F2-4DC1-A415-2523B8624F8F}"/>
+              </a:ext>
+            </a:extLst>
+          </p:cNvPr>
+          <p:cNvCxnSpPr>
+            <a:cxnSpLocks/>
+            <a:stCxn id="255" idx="2"/>
+            <a:endCxn id="258" idx="0"/>
+          </p:cNvCxnSpPr>
+          <p:nvPr/>
+        </p:nvCxnSpPr>
+        <p:spPr>
+          <a:xfrm>
+            <a:off x="9447934" y="1294995"/>
+            <a:ext cx="372" cy="748956"/>
+          </a:xfrm>
+          <a:prstGeom prst="straightConnector1">
+            <a:avLst/>
+          </a:prstGeom>
+          <a:ln>
+            <a:solidFill>
+              <a:schemeClr val="tx1"/>
+            </a:solidFill>
+            <a:tailEnd type="triangle"/>
           </a:ln>
         </p:spPr>
         <p:style>
@@ -8230,6 +8291,445 @@
           </a:fontRef>
         </p:style>
       </p:cxnSp>
+      <p:cxnSp>
+        <p:nvCxnSpPr>
+          <p:cNvPr id="257" name="Straight Arrow Connector 256">
+            <a:extLst>
+              <a:ext uri="{FF2B5EF4-FFF2-40B4-BE49-F238E27FC236}">
+                <a16:creationId xmlns:a16="http://schemas.microsoft.com/office/drawing/2014/main" id="{3196DC30-FE20-49C0-A0CE-60F50E680404}"/>
+              </a:ext>
+            </a:extLst>
+          </p:cNvPr>
+          <p:cNvCxnSpPr>
+            <a:cxnSpLocks/>
+            <a:stCxn id="258" idx="2"/>
+            <a:endCxn id="259" idx="0"/>
+          </p:cNvCxnSpPr>
+          <p:nvPr/>
+        </p:nvCxnSpPr>
+        <p:spPr>
+          <a:xfrm>
+            <a:off x="9448306" y="2430415"/>
+            <a:ext cx="8655" cy="278295"/>
+          </a:xfrm>
+          <a:prstGeom prst="straightConnector1">
+            <a:avLst/>
+          </a:prstGeom>
+          <a:ln>
+            <a:solidFill>
+              <a:schemeClr val="tx1"/>
+            </a:solidFill>
+            <a:tailEnd type="triangle"/>
+          </a:ln>
+        </p:spPr>
+        <p:style>
+          <a:lnRef idx="1">
+            <a:schemeClr val="accent1"/>
+          </a:lnRef>
+          <a:fillRef idx="0">
+            <a:schemeClr val="accent1"/>
+          </a:fillRef>
+          <a:effectRef idx="0">
+            <a:schemeClr val="accent1"/>
+          </a:effectRef>
+          <a:fontRef idx="minor">
+            <a:schemeClr val="tx1"/>
+          </a:fontRef>
+        </p:style>
+      </p:cxnSp>
+      <p:sp>
+        <p:nvSpPr>
+          <p:cNvPr id="258" name="Rectangle 257">
+            <a:extLst>
+              <a:ext uri="{FF2B5EF4-FFF2-40B4-BE49-F238E27FC236}">
+                <a16:creationId xmlns:a16="http://schemas.microsoft.com/office/drawing/2014/main" id="{74C0DD32-7742-4D3B-AF74-CFE40DBCEC27}"/>
+              </a:ext>
+            </a:extLst>
+          </p:cNvPr>
+          <p:cNvSpPr/>
+          <p:nvPr/>
+        </p:nvSpPr>
+        <p:spPr>
+          <a:xfrm>
+            <a:off x="8697710" y="2043951"/>
+            <a:ext cx="1501191" cy="386464"/>
+          </a:xfrm>
+          <a:prstGeom prst="rect">
+            <a:avLst/>
+          </a:prstGeom>
+          <a:ln>
+            <a:solidFill>
+              <a:schemeClr val="tx1"/>
+            </a:solidFill>
+          </a:ln>
+        </p:spPr>
+        <p:style>
+          <a:lnRef idx="2">
+            <a:schemeClr val="accent1">
+              <a:shade val="50000"/>
+            </a:schemeClr>
+          </a:lnRef>
+          <a:fillRef idx="1">
+            <a:schemeClr val="accent1"/>
+          </a:fillRef>
+          <a:effectRef idx="0">
+            <a:schemeClr val="accent1"/>
+          </a:effectRef>
+          <a:fontRef idx="minor">
+            <a:schemeClr val="lt1"/>
+          </a:fontRef>
+        </p:style>
+        <p:txBody>
+          <a:bodyPr rtlCol="0" anchor="ctr"/>
+          <a:lstStyle/>
+          <a:p>
+            <a:pPr algn="ctr"/>
+            <a:r>
+              <a:rPr lang="en-US" sz="1050" b="1" dirty="0"/>
+              <a:t>Data Org / Manipulation</a:t>
+            </a:r>
+          </a:p>
+        </p:txBody>
+      </p:sp>
+      <p:sp>
+        <p:nvSpPr>
+          <p:cNvPr id="259" name="Rectangle 258">
+            <a:extLst>
+              <a:ext uri="{FF2B5EF4-FFF2-40B4-BE49-F238E27FC236}">
+                <a16:creationId xmlns:a16="http://schemas.microsoft.com/office/drawing/2014/main" id="{AD858F20-8705-4E61-97A3-A2B39032FE8F}"/>
+              </a:ext>
+            </a:extLst>
+          </p:cNvPr>
+          <p:cNvSpPr/>
+          <p:nvPr/>
+        </p:nvSpPr>
+        <p:spPr>
+          <a:xfrm>
+            <a:off x="8706365" y="2708710"/>
+            <a:ext cx="1501191" cy="386464"/>
+          </a:xfrm>
+          <a:prstGeom prst="rect">
+            <a:avLst/>
+          </a:prstGeom>
+          <a:ln>
+            <a:solidFill>
+              <a:schemeClr val="tx1"/>
+            </a:solidFill>
+          </a:ln>
+        </p:spPr>
+        <p:style>
+          <a:lnRef idx="2">
+            <a:schemeClr val="accent1">
+              <a:shade val="50000"/>
+            </a:schemeClr>
+          </a:lnRef>
+          <a:fillRef idx="1">
+            <a:schemeClr val="accent1"/>
+          </a:fillRef>
+          <a:effectRef idx="0">
+            <a:schemeClr val="accent1"/>
+          </a:effectRef>
+          <a:fontRef idx="minor">
+            <a:schemeClr val="lt1"/>
+          </a:fontRef>
+        </p:style>
+        <p:txBody>
+          <a:bodyPr rtlCol="0" anchor="ctr"/>
+          <a:lstStyle/>
+          <a:p>
+            <a:pPr algn="ctr"/>
+            <a:r>
+              <a:rPr lang="en-US" sz="1050" b="1" dirty="0"/>
+              <a:t>NJ Tax DF</a:t>
+            </a:r>
+          </a:p>
+        </p:txBody>
+      </p:sp>
+      <p:sp>
+        <p:nvSpPr>
+          <p:cNvPr id="260" name="TextBox 259">
+            <a:extLst>
+              <a:ext uri="{FF2B5EF4-FFF2-40B4-BE49-F238E27FC236}">
+                <a16:creationId xmlns:a16="http://schemas.microsoft.com/office/drawing/2014/main" id="{5C6D3A06-9586-4514-9F1B-BBA4B194A769}"/>
+              </a:ext>
+            </a:extLst>
+          </p:cNvPr>
+          <p:cNvSpPr txBox="1"/>
+          <p:nvPr/>
+        </p:nvSpPr>
+        <p:spPr>
+          <a:xfrm>
+            <a:off x="9466596" y="1622227"/>
+            <a:ext cx="526106" cy="246221"/>
+          </a:xfrm>
+          <a:prstGeom prst="rect">
+            <a:avLst/>
+          </a:prstGeom>
+          <a:noFill/>
+        </p:spPr>
+        <p:txBody>
+          <a:bodyPr wrap="none" rtlCol="0">
+            <a:spAutoFit/>
+          </a:bodyPr>
+          <a:lstStyle/>
+          <a:p>
+            <a:r>
+              <a:rPr lang="en-US" sz="1000" dirty="0"/>
+              <a:t>scrape</a:t>
+            </a:r>
+          </a:p>
+        </p:txBody>
+      </p:sp>
+      <p:grpSp>
+        <p:nvGrpSpPr>
+          <p:cNvPr id="249" name="Group 248">
+            <a:extLst>
+              <a:ext uri="{FF2B5EF4-FFF2-40B4-BE49-F238E27FC236}">
+                <a16:creationId xmlns:a16="http://schemas.microsoft.com/office/drawing/2014/main" id="{7B9ADC32-FA12-4549-9B0C-E0F5B417A47E}"/>
+              </a:ext>
+            </a:extLst>
+          </p:cNvPr>
+          <p:cNvGrpSpPr/>
+          <p:nvPr/>
+        </p:nvGrpSpPr>
+        <p:grpSpPr>
+          <a:xfrm>
+            <a:off x="8547187" y="907918"/>
+            <a:ext cx="455955" cy="428635"/>
+            <a:chOff x="8530253" y="907918"/>
+            <a:chExt cx="455955" cy="428635"/>
+          </a:xfrm>
+        </p:grpSpPr>
+        <p:sp>
+          <p:nvSpPr>
+            <p:cNvPr id="262" name="Oval 261">
+              <a:extLst>
+                <a:ext uri="{FF2B5EF4-FFF2-40B4-BE49-F238E27FC236}">
+                  <a16:creationId xmlns:a16="http://schemas.microsoft.com/office/drawing/2014/main" id="{9A2F5F54-9417-47B1-A3D2-B0CA4AA5CE15}"/>
+                </a:ext>
+              </a:extLst>
+            </p:cNvPr>
+            <p:cNvSpPr/>
+            <p:nvPr/>
+          </p:nvSpPr>
+          <p:spPr>
+            <a:xfrm>
+              <a:off x="8530253" y="907918"/>
+              <a:ext cx="455955" cy="428635"/>
+            </a:xfrm>
+            <a:prstGeom prst="ellipse">
+              <a:avLst/>
+            </a:prstGeom>
+            <a:solidFill>
+              <a:schemeClr val="bg1"/>
+            </a:solidFill>
+            <a:ln>
+              <a:solidFill>
+                <a:schemeClr val="tx1"/>
+              </a:solidFill>
+            </a:ln>
+          </p:spPr>
+          <p:style>
+            <a:lnRef idx="2">
+              <a:schemeClr val="accent1">
+                <a:shade val="50000"/>
+              </a:schemeClr>
+            </a:lnRef>
+            <a:fillRef idx="1">
+              <a:schemeClr val="accent1"/>
+            </a:fillRef>
+            <a:effectRef idx="0">
+              <a:schemeClr val="accent1"/>
+            </a:effectRef>
+            <a:fontRef idx="minor">
+              <a:schemeClr val="lt1"/>
+            </a:fontRef>
+          </p:style>
+          <p:txBody>
+            <a:bodyPr rtlCol="0" anchor="ctr"/>
+            <a:lstStyle/>
+            <a:p>
+              <a:pPr algn="ctr"/>
+              <a:endParaRPr lang="en-US"/>
+            </a:p>
+          </p:txBody>
+        </p:sp>
+        <p:pic>
+          <p:nvPicPr>
+            <p:cNvPr id="1038" name="Picture 14" descr="Tax Free Icon">
+              <a:extLst>
+                <a:ext uri="{FF2B5EF4-FFF2-40B4-BE49-F238E27FC236}">
+                  <a16:creationId xmlns:a16="http://schemas.microsoft.com/office/drawing/2014/main" id="{9EAAA2E9-BFA2-4F9F-821E-A516ACE0A79A}"/>
+                </a:ext>
+              </a:extLst>
+            </p:cNvPr>
+            <p:cNvPicPr>
+              <a:picLocks noChangeAspect="1" noChangeArrowheads="1"/>
+            </p:cNvPicPr>
+            <p:nvPr/>
+          </p:nvPicPr>
+          <p:blipFill>
+            <a:blip r:embed="rId9">
+              <a:extLst>
+                <a:ext uri="{28A0092B-C50C-407E-A947-70E740481C1C}">
+                  <a14:useLocalDpi xmlns:a14="http://schemas.microsoft.com/office/drawing/2010/main" val="0"/>
+                </a:ext>
+              </a:extLst>
+            </a:blip>
+            <a:srcRect/>
+            <a:stretch>
+              <a:fillRect/>
+            </a:stretch>
+          </p:blipFill>
+          <p:spPr bwMode="auto">
+            <a:xfrm>
+              <a:off x="8625015" y="982068"/>
+              <a:ext cx="298106" cy="298106"/>
+            </a:xfrm>
+            <a:prstGeom prst="rect">
+              <a:avLst/>
+            </a:prstGeom>
+            <a:noFill/>
+            <a:extLst>
+              <a:ext uri="{909E8E84-426E-40DD-AFC4-6F175D3DCCD1}">
+                <a14:hiddenFill xmlns:a14="http://schemas.microsoft.com/office/drawing/2010/main">
+                  <a:solidFill>
+                    <a:srgbClr val="FFFFFF"/>
+                  </a:solidFill>
+                </a14:hiddenFill>
+              </a:ext>
+            </a:extLst>
+          </p:spPr>
+        </p:pic>
+      </p:grpSp>
+      <p:cxnSp>
+        <p:nvCxnSpPr>
+          <p:cNvPr id="268" name="Connector: Elbow 267">
+            <a:extLst>
+              <a:ext uri="{FF2B5EF4-FFF2-40B4-BE49-F238E27FC236}">
+                <a16:creationId xmlns:a16="http://schemas.microsoft.com/office/drawing/2014/main" id="{03CD017B-4B58-4F45-A4F4-012B18064710}"/>
+              </a:ext>
+            </a:extLst>
+          </p:cNvPr>
+          <p:cNvCxnSpPr>
+            <a:cxnSpLocks/>
+            <a:stCxn id="259" idx="2"/>
+            <a:endCxn id="9" idx="3"/>
+          </p:cNvCxnSpPr>
+          <p:nvPr/>
+        </p:nvCxnSpPr>
+        <p:spPr>
+          <a:xfrm rot="5400000">
+            <a:off x="8792041" y="3247332"/>
+            <a:ext cx="817078" cy="512763"/>
+          </a:xfrm>
+          <a:prstGeom prst="bentConnector2">
+            <a:avLst/>
+          </a:prstGeom>
+          <a:ln>
+            <a:solidFill>
+              <a:schemeClr val="tx1"/>
+            </a:solidFill>
+            <a:tailEnd type="triangle"/>
+          </a:ln>
+        </p:spPr>
+        <p:style>
+          <a:lnRef idx="1">
+            <a:schemeClr val="accent1"/>
+          </a:lnRef>
+          <a:fillRef idx="0">
+            <a:schemeClr val="accent1"/>
+          </a:fillRef>
+          <a:effectRef idx="0">
+            <a:schemeClr val="accent1"/>
+          </a:effectRef>
+          <a:fontRef idx="minor">
+            <a:schemeClr val="tx1"/>
+          </a:fontRef>
+        </p:style>
+      </p:cxnSp>
+      <p:cxnSp>
+        <p:nvCxnSpPr>
+          <p:cNvPr id="271" name="Connector: Elbow 270">
+            <a:extLst>
+              <a:ext uri="{FF2B5EF4-FFF2-40B4-BE49-F238E27FC236}">
+                <a16:creationId xmlns:a16="http://schemas.microsoft.com/office/drawing/2014/main" id="{F6D22448-F134-4CD6-A96A-D8360878CADE}"/>
+              </a:ext>
+            </a:extLst>
+          </p:cNvPr>
+          <p:cNvCxnSpPr>
+            <a:cxnSpLocks/>
+            <a:endCxn id="9" idx="1"/>
+          </p:cNvCxnSpPr>
+          <p:nvPr/>
+        </p:nvCxnSpPr>
+        <p:spPr>
+          <a:xfrm>
+            <a:off x="4031125" y="3113137"/>
+            <a:ext cx="2455022" cy="799115"/>
+          </a:xfrm>
+          <a:prstGeom prst="bentConnector3">
+            <a:avLst>
+              <a:gd name="adj1" fmla="val -696"/>
+            </a:avLst>
+          </a:prstGeom>
+          <a:ln>
+            <a:solidFill>
+              <a:schemeClr val="tx1"/>
+            </a:solidFill>
+            <a:tailEnd type="triangle"/>
+          </a:ln>
+        </p:spPr>
+        <p:style>
+          <a:lnRef idx="1">
+            <a:schemeClr val="accent1"/>
+          </a:lnRef>
+          <a:fillRef idx="0">
+            <a:schemeClr val="accent1"/>
+          </a:fillRef>
+          <a:effectRef idx="0">
+            <a:schemeClr val="accent1"/>
+          </a:effectRef>
+          <a:fontRef idx="minor">
+            <a:schemeClr val="tx1"/>
+          </a:fontRef>
+        </p:style>
+      </p:cxnSp>
+      <p:sp>
+        <p:nvSpPr>
+          <p:cNvPr id="278" name="TextBox 277">
+            <a:extLst>
+              <a:ext uri="{FF2B5EF4-FFF2-40B4-BE49-F238E27FC236}">
+                <a16:creationId xmlns:a16="http://schemas.microsoft.com/office/drawing/2014/main" id="{C3DED56D-E044-453C-9072-65E58655F1BF}"/>
+              </a:ext>
+            </a:extLst>
+          </p:cNvPr>
+          <p:cNvSpPr txBox="1"/>
+          <p:nvPr/>
+        </p:nvSpPr>
+        <p:spPr>
+          <a:xfrm>
+            <a:off x="9430012" y="3426264"/>
+            <a:ext cx="521297" cy="246221"/>
+          </a:xfrm>
+          <a:prstGeom prst="rect">
+            <a:avLst/>
+          </a:prstGeom>
+          <a:noFill/>
+        </p:spPr>
+        <p:txBody>
+          <a:bodyPr wrap="none" rtlCol="0">
+            <a:spAutoFit/>
+          </a:bodyPr>
+          <a:lstStyle/>
+          <a:p>
+            <a:r>
+              <a:rPr lang="en-US" sz="1000" dirty="0"/>
+              <a:t>SQLite</a:t>
+            </a:r>
+          </a:p>
+        </p:txBody>
+      </p:sp>
     </p:spTree>
     <p:extLst>
       <p:ext uri="{BB962C8B-B14F-4D97-AF65-F5344CB8AC3E}">
